--- a/presentation-EDA-aribnb.pptx
+++ b/presentation-EDA-aribnb.pptx
@@ -121,6 +121,11 @@
       </a:defRPr>
     </a:lvl9pPr>
   </p:defaultTextStyle>
+  <p:extLst>
+    <p:ext uri="{EFAFB233-063F-42B5-8137-9DF3F51BA10A}">
+      <p15:sldGuideLst xmlns:p15="http://schemas.microsoft.com/office/powerpoint/2012/main"/>
+    </p:ext>
+  </p:extLst>
 </p:presentation>
 </file>
 
@@ -3468,7 +3473,7 @@
         </p:nvSpPr>
         <p:spPr>
           <a:xfrm>
-            <a:off x="1479551" y="4653009"/>
+            <a:off x="1250951" y="5717876"/>
             <a:ext cx="9232898" cy="1452350"/>
           </a:xfrm>
         </p:spPr>
@@ -3478,59 +3483,33 @@
           </a:bodyPr>
           <a:lstStyle/>
           <a:p>
+            <a:pPr marL="0" indent="0" algn="l">
+              <a:buNone/>
+            </a:pPr>
+            <a:r>
+              <a:rPr lang="en-IN" dirty="0">
+                <a:solidFill>
+                  <a:schemeClr val="tx1"/>
+                </a:solidFill>
+                <a:latin typeface="Söhne"/>
+              </a:rPr>
+              <a:t>M</a:t>
+            </a:r>
+            <a:r>
+              <a:rPr lang="en-IN" b="0" i="0" dirty="0">
+                <a:solidFill>
+                  <a:schemeClr val="tx1"/>
+                </a:solidFill>
+                <a:effectLst/>
+                <a:latin typeface="Söhne"/>
+              </a:rPr>
+              <a:t>y analysis shows that the most popular figure for availability was 365 days. This means that many hotel owners in New York City are offering their properties year-round, which is useful information for anyone looking to plan a trip to the city.</a:t>
+            </a:r>
+          </a:p>
+          <a:p>
             <a:pPr marL="0" indent="0">
               <a:buNone/>
             </a:pPr>
-            <a:r>
-              <a:rPr lang="en-IN" b="0" i="0" dirty="0">
-                <a:solidFill>
-                  <a:schemeClr val="tx1"/>
-                </a:solidFill>
-                <a:effectLst/>
-                <a:latin typeface="Roboto" panose="02000000000000000000" pitchFamily="2" charset="0"/>
-              </a:rPr>
-              <a:t>We can see that majority of people prefer booking hotel with availability 1 day. A hotel for day-use is a very convenient solution for frequent </a:t>
-            </a:r>
-            <a:r>
-              <a:rPr lang="en-IN" b="0" i="0" dirty="0" err="1">
-                <a:solidFill>
-                  <a:schemeClr val="tx1"/>
-                </a:solidFill>
-                <a:effectLst/>
-                <a:latin typeface="Roboto" panose="02000000000000000000" pitchFamily="2" charset="0"/>
-              </a:rPr>
-              <a:t>travelers</a:t>
-            </a:r>
-            <a:r>
-              <a:rPr lang="en-IN" b="0" i="0" dirty="0">
-                <a:solidFill>
-                  <a:schemeClr val="tx1"/>
-                </a:solidFill>
-                <a:effectLst/>
-                <a:latin typeface="Roboto" panose="02000000000000000000" pitchFamily="2" charset="0"/>
-              </a:rPr>
-              <a:t> and businesspeople. That's why so many airport hotels offer </a:t>
-            </a:r>
-            <a:r>
-              <a:rPr lang="en-IN" b="0" i="0" dirty="0" err="1">
-                <a:solidFill>
-                  <a:schemeClr val="tx1"/>
-                </a:solidFill>
-                <a:effectLst/>
-                <a:latin typeface="Roboto" panose="02000000000000000000" pitchFamily="2" charset="0"/>
-              </a:rPr>
-              <a:t>daystays</a:t>
-            </a:r>
-            <a:r>
-              <a:rPr lang="en-IN" b="0" i="0" dirty="0">
-                <a:solidFill>
-                  <a:schemeClr val="tx1"/>
-                </a:solidFill>
-                <a:effectLst/>
-                <a:latin typeface="Roboto" panose="02000000000000000000" pitchFamily="2" charset="0"/>
-              </a:rPr>
-              <a:t>. Travelers can spend their transit time at a day-use hotel or simply book a dayroom for a stay between flights - an ideal way to relax.</a:t>
-            </a:r>
             <a:endParaRPr lang="en-US" dirty="0">
               <a:solidFill>
                 <a:schemeClr val="tx1"/>
@@ -3541,10 +3520,10 @@
       </p:sp>
       <p:pic>
         <p:nvPicPr>
-          <p:cNvPr id="5" name="Picture 4">
+          <p:cNvPr id="6" name="Picture 5">
             <a:extLst>
               <a:ext uri="{FF2B5EF4-FFF2-40B4-BE49-F238E27FC236}">
-                <a16:creationId xmlns:a16="http://schemas.microsoft.com/office/drawing/2014/main" id="{75427C5B-3221-D246-88FF-3AB08FCD7F85}"/>
+                <a16:creationId xmlns:a16="http://schemas.microsoft.com/office/drawing/2014/main" id="{243F14CD-8218-E442-B1DA-4B227356CDA4}"/>
               </a:ext>
             </a:extLst>
           </p:cNvPr>
@@ -3561,8 +3540,8 @@
         </p:blipFill>
         <p:spPr>
           <a:xfrm>
-            <a:off x="67221" y="1157971"/>
-            <a:ext cx="5927178" cy="3110400"/>
+            <a:off x="1" y="953931"/>
+            <a:ext cx="3268402" cy="2390848"/>
           </a:xfrm>
           <a:prstGeom prst="rect">
             <a:avLst/>
@@ -3571,10 +3550,10 @@
       </p:pic>
       <p:pic>
         <p:nvPicPr>
-          <p:cNvPr id="7" name="Picture 6">
+          <p:cNvPr id="9" name="Picture 8">
             <a:extLst>
               <a:ext uri="{FF2B5EF4-FFF2-40B4-BE49-F238E27FC236}">
-                <a16:creationId xmlns:a16="http://schemas.microsoft.com/office/drawing/2014/main" id="{74104CEE-9980-0340-A461-0648EB6DF15C}"/>
+                <a16:creationId xmlns:a16="http://schemas.microsoft.com/office/drawing/2014/main" id="{61BC7C44-BC88-D84B-A24E-99A7851F5B7D}"/>
               </a:ext>
             </a:extLst>
           </p:cNvPr>
@@ -3591,8 +3570,38 @@
         </p:blipFill>
         <p:spPr>
           <a:xfrm>
-            <a:off x="6197602" y="1157971"/>
-            <a:ext cx="5899023" cy="3095625"/>
+            <a:off x="8790441" y="953931"/>
+            <a:ext cx="3268402" cy="2289223"/>
+          </a:xfrm>
+          <a:prstGeom prst="rect">
+            <a:avLst/>
+          </a:prstGeom>
+        </p:spPr>
+      </p:pic>
+      <p:pic>
+        <p:nvPicPr>
+          <p:cNvPr id="11" name="Picture 10">
+            <a:extLst>
+              <a:ext uri="{FF2B5EF4-FFF2-40B4-BE49-F238E27FC236}">
+                <a16:creationId xmlns:a16="http://schemas.microsoft.com/office/drawing/2014/main" id="{C93DB97D-7437-FA47-A58E-B3C336967BFA}"/>
+              </a:ext>
+            </a:extLst>
+          </p:cNvPr>
+          <p:cNvPicPr>
+            <a:picLocks noChangeAspect="1"/>
+          </p:cNvPicPr>
+          <p:nvPr/>
+        </p:nvPicPr>
+        <p:blipFill>
+          <a:blip r:embed="rId4"/>
+          <a:stretch>
+            <a:fillRect/>
+          </a:stretch>
+        </p:blipFill>
+        <p:spPr>
+          <a:xfrm>
+            <a:off x="3411402" y="1788387"/>
+            <a:ext cx="5236040" cy="3667377"/>
           </a:xfrm>
           <a:prstGeom prst="rect">
             <a:avLst/>
@@ -4140,21 +4149,13 @@
           <a:p>
             <a:r>
               <a:rPr lang="en-US" dirty="0"/>
-              <a:t>It is clear from the graph that entire home/apt room is the most popular room in all the areas.</a:t>
+              <a:t>It is clear from the graph that entire home/apt room is the most expensive room in all the areas.</a:t>
             </a:r>
           </a:p>
           <a:p>
             <a:r>
               <a:rPr lang="en-US" dirty="0"/>
-              <a:t>Private room is the second </a:t>
-            </a:r>
-            <a:r>
-              <a:rPr lang="en-US" dirty="0" err="1"/>
-              <a:t>favourable</a:t>
-            </a:r>
-            <a:r>
-              <a:rPr lang="en-US" dirty="0"/>
-              <a:t> in all the areas.</a:t>
+              <a:t>Private room is the second expensive in all the areas.</a:t>
             </a:r>
           </a:p>
           <a:p>
@@ -4963,7 +4964,7 @@
           <a:p>
             <a:r>
               <a:rPr lang="en-US" b="1" dirty="0"/>
-              <a:t>Thank you</a:t>
+              <a:t>Thankyou</a:t>
             </a:r>
           </a:p>
         </p:txBody>
@@ -5342,6 +5343,31 @@
                 <a:latin typeface="Roboto" panose="020F0502020204030204" pitchFamily="34" charset="0"/>
               </a:rPr>
               <a:t> = location of the hotel </a:t>
+            </a:r>
+          </a:p>
+          <a:p>
+            <a:pPr algn="l">
+              <a:buFont typeface="+mj-lt"/>
+              <a:buAutoNum type="arabicPeriod"/>
+            </a:pPr>
+            <a:r>
+              <a:rPr lang="en-IN" dirty="0">
+                <a:solidFill>
+                  <a:schemeClr val="tx1"/>
+                </a:solidFill>
+                <a:latin typeface="Roboto" panose="020F0502020204030204" pitchFamily="34" charset="0"/>
+              </a:rPr>
+              <a:t>n</a:t>
+            </a:r>
+            <a:r>
+              <a:rPr lang="en-IN" b="0" i="0" dirty="0">
+                <a:solidFill>
+                  <a:schemeClr val="tx1"/>
+                </a:solidFill>
+                <a:effectLst/>
+                <a:latin typeface="Roboto" panose="020F0502020204030204" pitchFamily="34" charset="0"/>
+              </a:rPr>
+              <a:t>eighbourhood = area of the hotel</a:t>
             </a:r>
           </a:p>
           <a:p>
